--- a/PPTs/01 IoC & Friends.pptx
+++ b/PPTs/01 IoC & Friends.pptx
@@ -917,7 +917,7 @@
           <a:p>
             <a:r>
               <a:rPr lang="en-US"/>
-              <a:t>© 2016 Ori Calvo</a:t>
+              <a:t>© 2017 Ori Calvo</a:t>
             </a:r>
           </a:p>
         </p:txBody>
@@ -1095,7 +1095,7 @@
           <a:p>
             <a:r>
               <a:rPr lang="en-US"/>
-              <a:t>© 2016 Ori Calvo</a:t>
+              <a:t>© 2017 Ori Calvo</a:t>
             </a:r>
           </a:p>
         </p:txBody>
@@ -1285,7 +1285,7 @@
           <a:p>
             <a:r>
               <a:rPr lang="en-US"/>
-              <a:t>© 2016 Ori Calvo</a:t>
+              <a:t>© 2017 Ori Calvo</a:t>
             </a:r>
           </a:p>
         </p:txBody>
@@ -1533,7 +1533,7 @@
           <a:p>
             <a:r>
               <a:rPr lang="en-US"/>
-              <a:t>© 2016 Ori Calvo</a:t>
+              <a:t>© 2017 Ori Calvo</a:t>
             </a:r>
             <a:endParaRPr lang="en-US" dirty="0"/>
           </a:p>
@@ -1754,6 +1754,45 @@
           </a:p>
         </p:txBody>
       </p:sp>
+      <p:pic>
+        <p:nvPicPr>
+          <p:cNvPr id="9" name="Graphic 8">
+            <a:extLst>
+              <a:ext uri="{FF2B5EF4-FFF2-40B4-BE49-F238E27FC236}">
+                <a16:creationId xmlns:a16="http://schemas.microsoft.com/office/drawing/2014/main" id="{1209C019-2490-4270-A0D8-60F9F5018081}"/>
+              </a:ext>
+            </a:extLst>
+          </p:cNvPr>
+          <p:cNvPicPr>
+            <a:picLocks noChangeAspect="1"/>
+          </p:cNvPicPr>
+          <p:nvPr userDrawn="1"/>
+        </p:nvPicPr>
+        <p:blipFill>
+          <a:blip r:embed="rId2" cstate="print">
+            <a:extLst>
+              <a:ext uri="{28A0092B-C50C-407E-A947-70E740481C1C}">
+                <a14:useLocalDpi xmlns:a14="http://schemas.microsoft.com/office/drawing/2010/main" val="0"/>
+              </a:ext>
+              <a:ext uri="{96DAC541-7B7A-43D3-8B79-37D633B846F1}">
+                <asvg:svgBlip xmlns:asvg="http://schemas.microsoft.com/office/drawing/2016/SVG/main" r:embed="rId3"/>
+              </a:ext>
+            </a:extLst>
+          </a:blip>
+          <a:stretch>
+            <a:fillRect/>
+          </a:stretch>
+        </p:blipFill>
+        <p:spPr>
+          <a:xfrm>
+            <a:off x="107504" y="6445477"/>
+            <a:ext cx="2145059" cy="316851"/>
+          </a:xfrm>
+          <a:prstGeom prst="rect">
+            <a:avLst/>
+          </a:prstGeom>
+        </p:spPr>
+      </p:pic>
     </p:spTree>
   </p:cSld>
   <p:clrMapOvr>
@@ -2115,7 +2154,7 @@
           <a:p>
             <a:r>
               <a:rPr lang="en-US"/>
-              <a:t>© 2016 Ori Calvo</a:t>
+              <a:t>© 2017 Ori Calvo</a:t>
             </a:r>
           </a:p>
         </p:txBody>
@@ -2342,7 +2381,7 @@
           <a:p>
             <a:r>
               <a:rPr lang="en-US"/>
-              <a:t>© 2016 Ori Calvo</a:t>
+              <a:t>© 2017 Ori Calvo</a:t>
             </a:r>
           </a:p>
         </p:txBody>
@@ -2578,7 +2617,7 @@
           <a:p>
             <a:r>
               <a:rPr lang="en-US"/>
-              <a:t>© 2016 Ori Calvo</a:t>
+              <a:t>© 2017 Ori Calvo</a:t>
             </a:r>
           </a:p>
         </p:txBody>
@@ -2749,7 +2788,7 @@
           <a:p>
             <a:r>
               <a:rPr lang="en-US"/>
-              <a:t>© 2016 Ori Calvo</a:t>
+              <a:t>© 2017 Ori Calvo</a:t>
             </a:r>
           </a:p>
         </p:txBody>
@@ -2847,7 +2886,7 @@
           <a:p>
             <a:r>
               <a:rPr lang="en-US"/>
-              <a:t>© 2016 Ori Calvo</a:t>
+              <a:t>© 2017 Ori Calvo</a:t>
             </a:r>
           </a:p>
         </p:txBody>
@@ -2983,7 +3022,7 @@
           <a:p>
             <a:r>
               <a:rPr lang="en-US"/>
-              <a:t>© 2016 Ori Calvo</a:t>
+              <a:t>© 2017 Ori Calvo</a:t>
             </a:r>
           </a:p>
         </p:txBody>
@@ -3539,7 +3578,7 @@
           <a:p>
             <a:r>
               <a:rPr lang="en-US"/>
-              <a:t>© 2016 Ori Calvo</a:t>
+              <a:t>© 2017 Ori Calvo</a:t>
             </a:r>
           </a:p>
         </p:txBody>
@@ -3778,7 +3817,7 @@
           <a:p>
             <a:r>
               <a:rPr lang="en-US"/>
-              <a:t>© 2016 Ori Calvo</a:t>
+              <a:t>© 2017 Ori Calvo</a:t>
             </a:r>
             <a:endParaRPr lang="en-US" dirty="0"/>
           </a:p>
@@ -4437,7 +4476,7 @@
           <a:p>
             <a:r>
               <a:rPr lang="en-US"/>
-              <a:t>© 2016 Ori Calvo</a:t>
+              <a:t>© 2017 Ori Calvo</a:t>
             </a:r>
             <a:endParaRPr lang="en-US" dirty="0"/>
           </a:p>
@@ -4653,6 +4692,67 @@
           </a:p>
         </p:txBody>
       </p:sp>
+      <p:sp>
+        <p:nvSpPr>
+          <p:cNvPr id="4" name="Footer Placeholder 3">
+            <a:extLst>
+              <a:ext uri="{FF2B5EF4-FFF2-40B4-BE49-F238E27FC236}">
+                <a16:creationId xmlns:a16="http://schemas.microsoft.com/office/drawing/2014/main" id="{FE32FD4A-7D0D-4140-BFDA-BF1B8A189B0F}"/>
+              </a:ext>
+            </a:extLst>
+          </p:cNvPr>
+          <p:cNvSpPr>
+            <a:spLocks noGrp="1"/>
+          </p:cNvSpPr>
+          <p:nvPr>
+            <p:ph type="ftr" sz="quarter" idx="11"/>
+          </p:nvPr>
+        </p:nvSpPr>
+        <p:spPr/>
+        <p:txBody>
+          <a:bodyPr/>
+          <a:lstStyle/>
+          <a:p>
+            <a:r>
+              <a:rPr lang="en-US"/>
+              <a:t>© 2017 Ori Calvo</a:t>
+            </a:r>
+            <a:endParaRPr lang="en-US" dirty="0"/>
+          </a:p>
+        </p:txBody>
+      </p:sp>
+      <p:sp>
+        <p:nvSpPr>
+          <p:cNvPr id="5" name="Slide Number Placeholder 4">
+            <a:extLst>
+              <a:ext uri="{FF2B5EF4-FFF2-40B4-BE49-F238E27FC236}">
+                <a16:creationId xmlns:a16="http://schemas.microsoft.com/office/drawing/2014/main" id="{C9A0FE36-CD32-4379-894D-46C22CA09BE3}"/>
+              </a:ext>
+            </a:extLst>
+          </p:cNvPr>
+          <p:cNvSpPr>
+            <a:spLocks noGrp="1"/>
+          </p:cNvSpPr>
+          <p:nvPr>
+            <p:ph type="sldNum" sz="quarter" idx="12"/>
+          </p:nvPr>
+        </p:nvSpPr>
+        <p:spPr/>
+        <p:txBody>
+          <a:bodyPr>
+            <a:normAutofit fontScale="85000" lnSpcReduction="20000"/>
+          </a:bodyPr>
+          <a:lstStyle/>
+          <a:p>
+            <a:fld id="{6EDEC3BC-0694-4586-AE63-02B4D54ABF43}" type="slidenum">
+              <a:rPr lang="en-US" smtClean="0"/>
+              <a:pPr/>
+              <a:t>11</a:t>
+            </a:fld>
+            <a:endParaRPr lang="en-US"/>
+          </a:p>
+        </p:txBody>
+      </p:sp>
     </p:spTree>
     <p:extLst>
       <p:ext uri="{BB962C8B-B14F-4D97-AF65-F5344CB8AC3E}">
@@ -4804,6 +4904,67 @@
               <a:buNone/>
             </a:pPr>
             <a:endParaRPr lang="he-IL" dirty="0"/>
+          </a:p>
+        </p:txBody>
+      </p:sp>
+      <p:sp>
+        <p:nvSpPr>
+          <p:cNvPr id="4" name="Footer Placeholder 3">
+            <a:extLst>
+              <a:ext uri="{FF2B5EF4-FFF2-40B4-BE49-F238E27FC236}">
+                <a16:creationId xmlns:a16="http://schemas.microsoft.com/office/drawing/2014/main" id="{CBD6CCB8-17B3-4C06-83ED-5E4D993397A1}"/>
+              </a:ext>
+            </a:extLst>
+          </p:cNvPr>
+          <p:cNvSpPr>
+            <a:spLocks noGrp="1"/>
+          </p:cNvSpPr>
+          <p:nvPr>
+            <p:ph type="ftr" sz="quarter" idx="11"/>
+          </p:nvPr>
+        </p:nvSpPr>
+        <p:spPr/>
+        <p:txBody>
+          <a:bodyPr/>
+          <a:lstStyle/>
+          <a:p>
+            <a:r>
+              <a:rPr lang="en-US"/>
+              <a:t>© 2017 Ori Calvo</a:t>
+            </a:r>
+            <a:endParaRPr lang="en-US" dirty="0"/>
+          </a:p>
+        </p:txBody>
+      </p:sp>
+      <p:sp>
+        <p:nvSpPr>
+          <p:cNvPr id="5" name="Slide Number Placeholder 4">
+            <a:extLst>
+              <a:ext uri="{FF2B5EF4-FFF2-40B4-BE49-F238E27FC236}">
+                <a16:creationId xmlns:a16="http://schemas.microsoft.com/office/drawing/2014/main" id="{DDD33223-6558-45DF-A90A-EF0F419F46CB}"/>
+              </a:ext>
+            </a:extLst>
+          </p:cNvPr>
+          <p:cNvSpPr>
+            <a:spLocks noGrp="1"/>
+          </p:cNvSpPr>
+          <p:nvPr>
+            <p:ph type="sldNum" sz="quarter" idx="12"/>
+          </p:nvPr>
+        </p:nvSpPr>
+        <p:spPr/>
+        <p:txBody>
+          <a:bodyPr>
+            <a:normAutofit fontScale="85000" lnSpcReduction="20000"/>
+          </a:bodyPr>
+          <a:lstStyle/>
+          <a:p>
+            <a:fld id="{6EDEC3BC-0694-4586-AE63-02B4D54ABF43}" type="slidenum">
+              <a:rPr lang="en-US" smtClean="0"/>
+              <a:pPr/>
+              <a:t>12</a:t>
+            </a:fld>
+            <a:endParaRPr lang="en-US"/>
           </a:p>
         </p:txBody>
       </p:sp>
@@ -5044,6 +5205,67 @@
           </a:fontRef>
         </p:style>
       </p:cxnSp>
+      <p:sp>
+        <p:nvSpPr>
+          <p:cNvPr id="6" name="Footer Placeholder 5">
+            <a:extLst>
+              <a:ext uri="{FF2B5EF4-FFF2-40B4-BE49-F238E27FC236}">
+                <a16:creationId xmlns:a16="http://schemas.microsoft.com/office/drawing/2014/main" id="{DB96604C-68E8-48FF-97E5-336D6E50F8CB}"/>
+              </a:ext>
+            </a:extLst>
+          </p:cNvPr>
+          <p:cNvSpPr>
+            <a:spLocks noGrp="1"/>
+          </p:cNvSpPr>
+          <p:nvPr>
+            <p:ph type="ftr" sz="quarter" idx="11"/>
+          </p:nvPr>
+        </p:nvSpPr>
+        <p:spPr/>
+        <p:txBody>
+          <a:bodyPr/>
+          <a:lstStyle/>
+          <a:p>
+            <a:r>
+              <a:rPr lang="en-US"/>
+              <a:t>© 2017 Ori Calvo</a:t>
+            </a:r>
+            <a:endParaRPr lang="en-US" dirty="0"/>
+          </a:p>
+        </p:txBody>
+      </p:sp>
+      <p:sp>
+        <p:nvSpPr>
+          <p:cNvPr id="7" name="Slide Number Placeholder 6">
+            <a:extLst>
+              <a:ext uri="{FF2B5EF4-FFF2-40B4-BE49-F238E27FC236}">
+                <a16:creationId xmlns:a16="http://schemas.microsoft.com/office/drawing/2014/main" id="{3EB6DCF8-0D92-4F52-B8D3-68268705311F}"/>
+              </a:ext>
+            </a:extLst>
+          </p:cNvPr>
+          <p:cNvSpPr>
+            <a:spLocks noGrp="1"/>
+          </p:cNvSpPr>
+          <p:nvPr>
+            <p:ph type="sldNum" sz="quarter" idx="12"/>
+          </p:nvPr>
+        </p:nvSpPr>
+        <p:spPr/>
+        <p:txBody>
+          <a:bodyPr>
+            <a:normAutofit fontScale="85000" lnSpcReduction="20000"/>
+          </a:bodyPr>
+          <a:lstStyle/>
+          <a:p>
+            <a:fld id="{6EDEC3BC-0694-4586-AE63-02B4D54ABF43}" type="slidenum">
+              <a:rPr lang="en-US" smtClean="0"/>
+              <a:pPr/>
+              <a:t>13</a:t>
+            </a:fld>
+            <a:endParaRPr lang="en-US"/>
+          </a:p>
+        </p:txBody>
+      </p:sp>
     </p:spTree>
     <p:extLst>
       <p:ext uri="{BB962C8B-B14F-4D97-AF65-F5344CB8AC3E}">
@@ -5171,6 +5393,67 @@
           </a:p>
         </p:txBody>
       </p:sp>
+      <p:sp>
+        <p:nvSpPr>
+          <p:cNvPr id="4" name="Footer Placeholder 3">
+            <a:extLst>
+              <a:ext uri="{FF2B5EF4-FFF2-40B4-BE49-F238E27FC236}">
+                <a16:creationId xmlns:a16="http://schemas.microsoft.com/office/drawing/2014/main" id="{9751B7B4-06F2-48AD-A3B0-1E028E9755F1}"/>
+              </a:ext>
+            </a:extLst>
+          </p:cNvPr>
+          <p:cNvSpPr>
+            <a:spLocks noGrp="1"/>
+          </p:cNvSpPr>
+          <p:nvPr>
+            <p:ph type="ftr" sz="quarter" idx="11"/>
+          </p:nvPr>
+        </p:nvSpPr>
+        <p:spPr/>
+        <p:txBody>
+          <a:bodyPr/>
+          <a:lstStyle/>
+          <a:p>
+            <a:r>
+              <a:rPr lang="en-US"/>
+              <a:t>© 2017 Ori Calvo</a:t>
+            </a:r>
+            <a:endParaRPr lang="en-US" dirty="0"/>
+          </a:p>
+        </p:txBody>
+      </p:sp>
+      <p:sp>
+        <p:nvSpPr>
+          <p:cNvPr id="5" name="Slide Number Placeholder 4">
+            <a:extLst>
+              <a:ext uri="{FF2B5EF4-FFF2-40B4-BE49-F238E27FC236}">
+                <a16:creationId xmlns:a16="http://schemas.microsoft.com/office/drawing/2014/main" id="{CBE32468-284B-4F07-B9C9-5E69BF342A26}"/>
+              </a:ext>
+            </a:extLst>
+          </p:cNvPr>
+          <p:cNvSpPr>
+            <a:spLocks noGrp="1"/>
+          </p:cNvSpPr>
+          <p:nvPr>
+            <p:ph type="sldNum" sz="quarter" idx="12"/>
+          </p:nvPr>
+        </p:nvSpPr>
+        <p:spPr/>
+        <p:txBody>
+          <a:bodyPr>
+            <a:normAutofit fontScale="85000" lnSpcReduction="20000"/>
+          </a:bodyPr>
+          <a:lstStyle/>
+          <a:p>
+            <a:fld id="{6EDEC3BC-0694-4586-AE63-02B4D54ABF43}" type="slidenum">
+              <a:rPr lang="en-US" smtClean="0"/>
+              <a:pPr/>
+              <a:t>14</a:t>
+            </a:fld>
+            <a:endParaRPr lang="en-US"/>
+          </a:p>
+        </p:txBody>
+      </p:sp>
     </p:spTree>
     <p:extLst>
       <p:ext uri="{BB962C8B-B14F-4D97-AF65-F5344CB8AC3E}">
@@ -5256,6 +5539,67 @@
           </a:p>
         </p:txBody>
       </p:sp>
+      <p:sp>
+        <p:nvSpPr>
+          <p:cNvPr id="4" name="Footer Placeholder 3">
+            <a:extLst>
+              <a:ext uri="{FF2B5EF4-FFF2-40B4-BE49-F238E27FC236}">
+                <a16:creationId xmlns:a16="http://schemas.microsoft.com/office/drawing/2014/main" id="{7171493B-FE5C-4CDC-9BA0-C718A5899403}"/>
+              </a:ext>
+            </a:extLst>
+          </p:cNvPr>
+          <p:cNvSpPr>
+            <a:spLocks noGrp="1"/>
+          </p:cNvSpPr>
+          <p:nvPr>
+            <p:ph type="ftr" sz="quarter" idx="11"/>
+          </p:nvPr>
+        </p:nvSpPr>
+        <p:spPr/>
+        <p:txBody>
+          <a:bodyPr/>
+          <a:lstStyle/>
+          <a:p>
+            <a:r>
+              <a:rPr lang="en-US"/>
+              <a:t>© 2017 Ori Calvo</a:t>
+            </a:r>
+            <a:endParaRPr lang="en-US" dirty="0"/>
+          </a:p>
+        </p:txBody>
+      </p:sp>
+      <p:sp>
+        <p:nvSpPr>
+          <p:cNvPr id="5" name="Slide Number Placeholder 4">
+            <a:extLst>
+              <a:ext uri="{FF2B5EF4-FFF2-40B4-BE49-F238E27FC236}">
+                <a16:creationId xmlns:a16="http://schemas.microsoft.com/office/drawing/2014/main" id="{7CE55368-9E70-4101-A9BC-01E1524EF1BD}"/>
+              </a:ext>
+            </a:extLst>
+          </p:cNvPr>
+          <p:cNvSpPr>
+            <a:spLocks noGrp="1"/>
+          </p:cNvSpPr>
+          <p:nvPr>
+            <p:ph type="sldNum" sz="quarter" idx="12"/>
+          </p:nvPr>
+        </p:nvSpPr>
+        <p:spPr/>
+        <p:txBody>
+          <a:bodyPr>
+            <a:normAutofit fontScale="85000" lnSpcReduction="20000"/>
+          </a:bodyPr>
+          <a:lstStyle/>
+          <a:p>
+            <a:fld id="{6EDEC3BC-0694-4586-AE63-02B4D54ABF43}" type="slidenum">
+              <a:rPr lang="en-US" smtClean="0"/>
+              <a:pPr/>
+              <a:t>15</a:t>
+            </a:fld>
+            <a:endParaRPr lang="en-US"/>
+          </a:p>
+        </p:txBody>
+      </p:sp>
     </p:spTree>
     <p:extLst>
       <p:ext uri="{BB962C8B-B14F-4D97-AF65-F5344CB8AC3E}">
@@ -5624,6 +5968,67 @@
           </a:p>
         </p:txBody>
       </p:sp>
+      <p:sp>
+        <p:nvSpPr>
+          <p:cNvPr id="3" name="Footer Placeholder 2">
+            <a:extLst>
+              <a:ext uri="{FF2B5EF4-FFF2-40B4-BE49-F238E27FC236}">
+                <a16:creationId xmlns:a16="http://schemas.microsoft.com/office/drawing/2014/main" id="{7E100D91-27DF-4B72-8F8C-7929AF1D8671}"/>
+              </a:ext>
+            </a:extLst>
+          </p:cNvPr>
+          <p:cNvSpPr>
+            <a:spLocks noGrp="1"/>
+          </p:cNvSpPr>
+          <p:nvPr>
+            <p:ph type="ftr" sz="quarter" idx="11"/>
+          </p:nvPr>
+        </p:nvSpPr>
+        <p:spPr/>
+        <p:txBody>
+          <a:bodyPr/>
+          <a:lstStyle/>
+          <a:p>
+            <a:r>
+              <a:rPr lang="en-US"/>
+              <a:t>© 2017 Ori Calvo</a:t>
+            </a:r>
+            <a:endParaRPr lang="en-US" dirty="0"/>
+          </a:p>
+        </p:txBody>
+      </p:sp>
+      <p:sp>
+        <p:nvSpPr>
+          <p:cNvPr id="5" name="Slide Number Placeholder 4">
+            <a:extLst>
+              <a:ext uri="{FF2B5EF4-FFF2-40B4-BE49-F238E27FC236}">
+                <a16:creationId xmlns:a16="http://schemas.microsoft.com/office/drawing/2014/main" id="{518E0891-3E7F-4C9E-B88A-BA8E06159B3A}"/>
+              </a:ext>
+            </a:extLst>
+          </p:cNvPr>
+          <p:cNvSpPr>
+            <a:spLocks noGrp="1"/>
+          </p:cNvSpPr>
+          <p:nvPr>
+            <p:ph type="sldNum" sz="quarter" idx="12"/>
+          </p:nvPr>
+        </p:nvSpPr>
+        <p:spPr/>
+        <p:txBody>
+          <a:bodyPr>
+            <a:normAutofit fontScale="85000" lnSpcReduction="20000"/>
+          </a:bodyPr>
+          <a:lstStyle/>
+          <a:p>
+            <a:fld id="{6EDEC3BC-0694-4586-AE63-02B4D54ABF43}" type="slidenum">
+              <a:rPr lang="en-US" smtClean="0"/>
+              <a:pPr/>
+              <a:t>16</a:t>
+            </a:fld>
+            <a:endParaRPr lang="en-US"/>
+          </a:p>
+        </p:txBody>
+      </p:sp>
     </p:spTree>
     <p:extLst>
       <p:ext uri="{BB962C8B-B14F-4D97-AF65-F5344CB8AC3E}">
@@ -5706,7 +6111,7 @@
           <a:p>
             <a:r>
               <a:rPr lang="en-US"/>
-              <a:t>© 2016 Ori Calvo</a:t>
+              <a:t>© 2017 Ori Calvo</a:t>
             </a:r>
             <a:endParaRPr lang="en-US" dirty="0"/>
           </a:p>
@@ -6531,6 +6936,67 @@
           </a:fontRef>
         </p:style>
       </p:cxnSp>
+      <p:sp>
+        <p:nvSpPr>
+          <p:cNvPr id="5" name="Footer Placeholder 4">
+            <a:extLst>
+              <a:ext uri="{FF2B5EF4-FFF2-40B4-BE49-F238E27FC236}">
+                <a16:creationId xmlns:a16="http://schemas.microsoft.com/office/drawing/2014/main" id="{718CF876-977E-4F16-B29F-6E3C51DD27AF}"/>
+              </a:ext>
+            </a:extLst>
+          </p:cNvPr>
+          <p:cNvSpPr>
+            <a:spLocks noGrp="1"/>
+          </p:cNvSpPr>
+          <p:nvPr>
+            <p:ph type="ftr" sz="quarter" idx="11"/>
+          </p:nvPr>
+        </p:nvSpPr>
+        <p:spPr/>
+        <p:txBody>
+          <a:bodyPr/>
+          <a:lstStyle/>
+          <a:p>
+            <a:r>
+              <a:rPr lang="en-US"/>
+              <a:t>© 2017 Ori Calvo</a:t>
+            </a:r>
+            <a:endParaRPr lang="en-US" dirty="0"/>
+          </a:p>
+        </p:txBody>
+      </p:sp>
+      <p:sp>
+        <p:nvSpPr>
+          <p:cNvPr id="7" name="Slide Number Placeholder 6">
+            <a:extLst>
+              <a:ext uri="{FF2B5EF4-FFF2-40B4-BE49-F238E27FC236}">
+                <a16:creationId xmlns:a16="http://schemas.microsoft.com/office/drawing/2014/main" id="{780A8583-1EC4-47D9-B186-258865FA27E0}"/>
+              </a:ext>
+            </a:extLst>
+          </p:cNvPr>
+          <p:cNvSpPr>
+            <a:spLocks noGrp="1"/>
+          </p:cNvSpPr>
+          <p:nvPr>
+            <p:ph type="sldNum" sz="quarter" idx="12"/>
+          </p:nvPr>
+        </p:nvSpPr>
+        <p:spPr/>
+        <p:txBody>
+          <a:bodyPr>
+            <a:normAutofit fontScale="85000" lnSpcReduction="20000"/>
+          </a:bodyPr>
+          <a:lstStyle/>
+          <a:p>
+            <a:fld id="{6EDEC3BC-0694-4586-AE63-02B4D54ABF43}" type="slidenum">
+              <a:rPr lang="en-US" smtClean="0"/>
+              <a:pPr/>
+              <a:t>18</a:t>
+            </a:fld>
+            <a:endParaRPr lang="en-US"/>
+          </a:p>
+        </p:txBody>
+      </p:sp>
     </p:spTree>
     <p:extLst>
       <p:ext uri="{BB962C8B-B14F-4D97-AF65-F5344CB8AC3E}">
@@ -6845,6 +7311,67 @@
           </a:p>
         </p:txBody>
       </p:sp>
+      <p:sp>
+        <p:nvSpPr>
+          <p:cNvPr id="3" name="Footer Placeholder 2">
+            <a:extLst>
+              <a:ext uri="{FF2B5EF4-FFF2-40B4-BE49-F238E27FC236}">
+                <a16:creationId xmlns:a16="http://schemas.microsoft.com/office/drawing/2014/main" id="{80A409DA-E749-427E-BEF0-F322F0248CF0}"/>
+              </a:ext>
+            </a:extLst>
+          </p:cNvPr>
+          <p:cNvSpPr>
+            <a:spLocks noGrp="1"/>
+          </p:cNvSpPr>
+          <p:nvPr>
+            <p:ph type="ftr" sz="quarter" idx="11"/>
+          </p:nvPr>
+        </p:nvSpPr>
+        <p:spPr/>
+        <p:txBody>
+          <a:bodyPr/>
+          <a:lstStyle/>
+          <a:p>
+            <a:r>
+              <a:rPr lang="en-US"/>
+              <a:t>© 2017 Ori Calvo</a:t>
+            </a:r>
+            <a:endParaRPr lang="en-US" dirty="0"/>
+          </a:p>
+        </p:txBody>
+      </p:sp>
+      <p:sp>
+        <p:nvSpPr>
+          <p:cNvPr id="5" name="Slide Number Placeholder 4">
+            <a:extLst>
+              <a:ext uri="{FF2B5EF4-FFF2-40B4-BE49-F238E27FC236}">
+                <a16:creationId xmlns:a16="http://schemas.microsoft.com/office/drawing/2014/main" id="{44DD0043-3759-4940-9067-977F7CBF0790}"/>
+              </a:ext>
+            </a:extLst>
+          </p:cNvPr>
+          <p:cNvSpPr>
+            <a:spLocks noGrp="1"/>
+          </p:cNvSpPr>
+          <p:nvPr>
+            <p:ph type="sldNum" sz="quarter" idx="12"/>
+          </p:nvPr>
+        </p:nvSpPr>
+        <p:spPr/>
+        <p:txBody>
+          <a:bodyPr>
+            <a:normAutofit fontScale="85000" lnSpcReduction="20000"/>
+          </a:bodyPr>
+          <a:lstStyle/>
+          <a:p>
+            <a:fld id="{6EDEC3BC-0694-4586-AE63-02B4D54ABF43}" type="slidenum">
+              <a:rPr lang="en-US" smtClean="0"/>
+              <a:pPr/>
+              <a:t>19</a:t>
+            </a:fld>
+            <a:endParaRPr lang="en-US"/>
+          </a:p>
+        </p:txBody>
+      </p:sp>
     </p:spTree>
     <p:extLst>
       <p:ext uri="{BB962C8B-B14F-4D97-AF65-F5344CB8AC3E}">
@@ -6927,7 +7454,7 @@
           <a:p>
             <a:r>
               <a:rPr lang="en-US"/>
-              <a:t>© 2016 Ori Calvo</a:t>
+              <a:t>© 2017 Ori Calvo</a:t>
             </a:r>
             <a:endParaRPr lang="en-US" dirty="0"/>
           </a:p>
@@ -7104,7 +7631,7 @@
           <a:p>
             <a:r>
               <a:rPr lang="en-US"/>
-              <a:t>© 2016 Ori Calvo</a:t>
+              <a:t>© 2017 Ori Calvo</a:t>
             </a:r>
             <a:endParaRPr lang="en-US" dirty="0"/>
           </a:p>
@@ -7855,7 +8382,7 @@
           <a:p>
             <a:r>
               <a:rPr lang="en-US"/>
-              <a:t>© 2016 Ori Calvo</a:t>
+              <a:t>© 2017 Ori Calvo</a:t>
             </a:r>
             <a:endParaRPr lang="en-US" dirty="0"/>
           </a:p>
@@ -8101,7 +8628,7 @@
           <a:p>
             <a:r>
               <a:rPr lang="en-US"/>
-              <a:t>© 2016 Ori Calvo</a:t>
+              <a:t>© 2017 Ori Calvo</a:t>
             </a:r>
             <a:endParaRPr lang="en-US" dirty="0"/>
           </a:p>
@@ -8931,7 +9458,7 @@
           <a:p>
             <a:r>
               <a:rPr lang="en-US"/>
-              <a:t>© 2016 Ori Calvo</a:t>
+              <a:t>© 2017 Ori Calvo</a:t>
             </a:r>
             <a:endParaRPr lang="en-US" dirty="0"/>
           </a:p>
@@ -9722,7 +10249,7 @@
           <a:p>
             <a:r>
               <a:rPr lang="en-US"/>
-              <a:t>© 2016 Ori Calvo</a:t>
+              <a:t>© 2017 Ori Calvo</a:t>
             </a:r>
             <a:endParaRPr lang="en-US" dirty="0"/>
           </a:p>
@@ -9927,6 +10454,67 @@
           </a:p>
         </p:txBody>
       </p:sp>
+      <p:sp>
+        <p:nvSpPr>
+          <p:cNvPr id="4" name="Footer Placeholder 3">
+            <a:extLst>
+              <a:ext uri="{FF2B5EF4-FFF2-40B4-BE49-F238E27FC236}">
+                <a16:creationId xmlns:a16="http://schemas.microsoft.com/office/drawing/2014/main" id="{C0B66203-2C5D-4C5B-AB50-5D2070A19FFE}"/>
+              </a:ext>
+            </a:extLst>
+          </p:cNvPr>
+          <p:cNvSpPr>
+            <a:spLocks noGrp="1"/>
+          </p:cNvSpPr>
+          <p:nvPr>
+            <p:ph type="ftr" sz="quarter" idx="11"/>
+          </p:nvPr>
+        </p:nvSpPr>
+        <p:spPr/>
+        <p:txBody>
+          <a:bodyPr/>
+          <a:lstStyle/>
+          <a:p>
+            <a:r>
+              <a:rPr lang="en-US"/>
+              <a:t>© 2017 Ori Calvo</a:t>
+            </a:r>
+            <a:endParaRPr lang="en-US" dirty="0"/>
+          </a:p>
+        </p:txBody>
+      </p:sp>
+      <p:sp>
+        <p:nvSpPr>
+          <p:cNvPr id="5" name="Slide Number Placeholder 4">
+            <a:extLst>
+              <a:ext uri="{FF2B5EF4-FFF2-40B4-BE49-F238E27FC236}">
+                <a16:creationId xmlns:a16="http://schemas.microsoft.com/office/drawing/2014/main" id="{3CA2ACC7-669E-42B3-89E4-39BB16A83D88}"/>
+              </a:ext>
+            </a:extLst>
+          </p:cNvPr>
+          <p:cNvSpPr>
+            <a:spLocks noGrp="1"/>
+          </p:cNvSpPr>
+          <p:nvPr>
+            <p:ph type="sldNum" sz="quarter" idx="12"/>
+          </p:nvPr>
+        </p:nvSpPr>
+        <p:spPr/>
+        <p:txBody>
+          <a:bodyPr>
+            <a:normAutofit fontScale="85000" lnSpcReduction="20000"/>
+          </a:bodyPr>
+          <a:lstStyle/>
+          <a:p>
+            <a:fld id="{6EDEC3BC-0694-4586-AE63-02B4D54ABF43}" type="slidenum">
+              <a:rPr lang="en-US" smtClean="0"/>
+              <a:pPr/>
+              <a:t>3</a:t>
+            </a:fld>
+            <a:endParaRPr lang="en-US"/>
+          </a:p>
+        </p:txBody>
+      </p:sp>
     </p:spTree>
     <p:extLst>
       <p:ext uri="{BB962C8B-B14F-4D97-AF65-F5344CB8AC3E}">
@@ -10038,6 +10626,67 @@
           </a:p>
         </p:txBody>
       </p:sp>
+      <p:sp>
+        <p:nvSpPr>
+          <p:cNvPr id="4" name="Footer Placeholder 3">
+            <a:extLst>
+              <a:ext uri="{FF2B5EF4-FFF2-40B4-BE49-F238E27FC236}">
+                <a16:creationId xmlns:a16="http://schemas.microsoft.com/office/drawing/2014/main" id="{19F47DC1-E779-4B88-95EA-FB50796F9FB6}"/>
+              </a:ext>
+            </a:extLst>
+          </p:cNvPr>
+          <p:cNvSpPr>
+            <a:spLocks noGrp="1"/>
+          </p:cNvSpPr>
+          <p:nvPr>
+            <p:ph type="ftr" sz="quarter" idx="11"/>
+          </p:nvPr>
+        </p:nvSpPr>
+        <p:spPr/>
+        <p:txBody>
+          <a:bodyPr/>
+          <a:lstStyle/>
+          <a:p>
+            <a:r>
+              <a:rPr lang="en-US"/>
+              <a:t>© 2017 Ori Calvo</a:t>
+            </a:r>
+            <a:endParaRPr lang="en-US" dirty="0"/>
+          </a:p>
+        </p:txBody>
+      </p:sp>
+      <p:sp>
+        <p:nvSpPr>
+          <p:cNvPr id="5" name="Slide Number Placeholder 4">
+            <a:extLst>
+              <a:ext uri="{FF2B5EF4-FFF2-40B4-BE49-F238E27FC236}">
+                <a16:creationId xmlns:a16="http://schemas.microsoft.com/office/drawing/2014/main" id="{6BFF49ED-2D2C-410C-925A-FFC9E4700A7D}"/>
+              </a:ext>
+            </a:extLst>
+          </p:cNvPr>
+          <p:cNvSpPr>
+            <a:spLocks noGrp="1"/>
+          </p:cNvSpPr>
+          <p:nvPr>
+            <p:ph type="sldNum" sz="quarter" idx="12"/>
+          </p:nvPr>
+        </p:nvSpPr>
+        <p:spPr/>
+        <p:txBody>
+          <a:bodyPr>
+            <a:normAutofit fontScale="85000" lnSpcReduction="20000"/>
+          </a:bodyPr>
+          <a:lstStyle/>
+          <a:p>
+            <a:fld id="{6EDEC3BC-0694-4586-AE63-02B4D54ABF43}" type="slidenum">
+              <a:rPr lang="en-US" smtClean="0"/>
+              <a:pPr/>
+              <a:t>4</a:t>
+            </a:fld>
+            <a:endParaRPr lang="en-US"/>
+          </a:p>
+        </p:txBody>
+      </p:sp>
     </p:spTree>
     <p:extLst>
       <p:ext uri="{BB962C8B-B14F-4D97-AF65-F5344CB8AC3E}">
@@ -10152,6 +10801,67 @@
           </a:p>
         </p:txBody>
       </p:sp>
+      <p:sp>
+        <p:nvSpPr>
+          <p:cNvPr id="4" name="Footer Placeholder 3">
+            <a:extLst>
+              <a:ext uri="{FF2B5EF4-FFF2-40B4-BE49-F238E27FC236}">
+                <a16:creationId xmlns:a16="http://schemas.microsoft.com/office/drawing/2014/main" id="{DB39F417-E8AE-4660-91B1-C8899F705516}"/>
+              </a:ext>
+            </a:extLst>
+          </p:cNvPr>
+          <p:cNvSpPr>
+            <a:spLocks noGrp="1"/>
+          </p:cNvSpPr>
+          <p:nvPr>
+            <p:ph type="ftr" sz="quarter" idx="11"/>
+          </p:nvPr>
+        </p:nvSpPr>
+        <p:spPr/>
+        <p:txBody>
+          <a:bodyPr/>
+          <a:lstStyle/>
+          <a:p>
+            <a:r>
+              <a:rPr lang="en-US"/>
+              <a:t>© 2017 Ori Calvo</a:t>
+            </a:r>
+            <a:endParaRPr lang="en-US" dirty="0"/>
+          </a:p>
+        </p:txBody>
+      </p:sp>
+      <p:sp>
+        <p:nvSpPr>
+          <p:cNvPr id="5" name="Slide Number Placeholder 4">
+            <a:extLst>
+              <a:ext uri="{FF2B5EF4-FFF2-40B4-BE49-F238E27FC236}">
+                <a16:creationId xmlns:a16="http://schemas.microsoft.com/office/drawing/2014/main" id="{DC42E66E-159E-4A4C-8F27-21E1A493661D}"/>
+              </a:ext>
+            </a:extLst>
+          </p:cNvPr>
+          <p:cNvSpPr>
+            <a:spLocks noGrp="1"/>
+          </p:cNvSpPr>
+          <p:nvPr>
+            <p:ph type="sldNum" sz="quarter" idx="12"/>
+          </p:nvPr>
+        </p:nvSpPr>
+        <p:spPr/>
+        <p:txBody>
+          <a:bodyPr>
+            <a:normAutofit fontScale="85000" lnSpcReduction="20000"/>
+          </a:bodyPr>
+          <a:lstStyle/>
+          <a:p>
+            <a:fld id="{6EDEC3BC-0694-4586-AE63-02B4D54ABF43}" type="slidenum">
+              <a:rPr lang="en-US" smtClean="0"/>
+              <a:pPr/>
+              <a:t>5</a:t>
+            </a:fld>
+            <a:endParaRPr lang="en-US"/>
+          </a:p>
+        </p:txBody>
+      </p:sp>
     </p:spTree>
     <p:extLst>
       <p:ext uri="{BB962C8B-B14F-4D97-AF65-F5344CB8AC3E}">
@@ -10298,6 +11008,67 @@
           </a:p>
         </p:txBody>
       </p:sp>
+      <p:sp>
+        <p:nvSpPr>
+          <p:cNvPr id="4" name="Footer Placeholder 3">
+            <a:extLst>
+              <a:ext uri="{FF2B5EF4-FFF2-40B4-BE49-F238E27FC236}">
+                <a16:creationId xmlns:a16="http://schemas.microsoft.com/office/drawing/2014/main" id="{37E9F735-5952-4F39-97A5-60D27637E59D}"/>
+              </a:ext>
+            </a:extLst>
+          </p:cNvPr>
+          <p:cNvSpPr>
+            <a:spLocks noGrp="1"/>
+          </p:cNvSpPr>
+          <p:nvPr>
+            <p:ph type="ftr" sz="quarter" idx="11"/>
+          </p:nvPr>
+        </p:nvSpPr>
+        <p:spPr/>
+        <p:txBody>
+          <a:bodyPr/>
+          <a:lstStyle/>
+          <a:p>
+            <a:r>
+              <a:rPr lang="en-US"/>
+              <a:t>© 2017 Ori Calvo</a:t>
+            </a:r>
+            <a:endParaRPr lang="en-US" dirty="0"/>
+          </a:p>
+        </p:txBody>
+      </p:sp>
+      <p:sp>
+        <p:nvSpPr>
+          <p:cNvPr id="5" name="Slide Number Placeholder 4">
+            <a:extLst>
+              <a:ext uri="{FF2B5EF4-FFF2-40B4-BE49-F238E27FC236}">
+                <a16:creationId xmlns:a16="http://schemas.microsoft.com/office/drawing/2014/main" id="{E0C8F938-26D7-49FD-B9E6-52593BBB5BC4}"/>
+              </a:ext>
+            </a:extLst>
+          </p:cNvPr>
+          <p:cNvSpPr>
+            <a:spLocks noGrp="1"/>
+          </p:cNvSpPr>
+          <p:nvPr>
+            <p:ph type="sldNum" sz="quarter" idx="12"/>
+          </p:nvPr>
+        </p:nvSpPr>
+        <p:spPr/>
+        <p:txBody>
+          <a:bodyPr>
+            <a:normAutofit fontScale="85000" lnSpcReduction="20000"/>
+          </a:bodyPr>
+          <a:lstStyle/>
+          <a:p>
+            <a:fld id="{6EDEC3BC-0694-4586-AE63-02B4D54ABF43}" type="slidenum">
+              <a:rPr lang="en-US" smtClean="0"/>
+              <a:pPr/>
+              <a:t>6</a:t>
+            </a:fld>
+            <a:endParaRPr lang="en-US"/>
+          </a:p>
+        </p:txBody>
+      </p:sp>
     </p:spTree>
     <p:extLst>
       <p:ext uri="{BB962C8B-B14F-4D97-AF65-F5344CB8AC3E}">
@@ -10392,6 +11163,67 @@
           </a:p>
         </p:txBody>
       </p:sp>
+      <p:sp>
+        <p:nvSpPr>
+          <p:cNvPr id="4" name="Footer Placeholder 3">
+            <a:extLst>
+              <a:ext uri="{FF2B5EF4-FFF2-40B4-BE49-F238E27FC236}">
+                <a16:creationId xmlns:a16="http://schemas.microsoft.com/office/drawing/2014/main" id="{DD41F527-323E-4F7C-B092-74AB4B4FD439}"/>
+              </a:ext>
+            </a:extLst>
+          </p:cNvPr>
+          <p:cNvSpPr>
+            <a:spLocks noGrp="1"/>
+          </p:cNvSpPr>
+          <p:nvPr>
+            <p:ph type="ftr" sz="quarter" idx="11"/>
+          </p:nvPr>
+        </p:nvSpPr>
+        <p:spPr/>
+        <p:txBody>
+          <a:bodyPr/>
+          <a:lstStyle/>
+          <a:p>
+            <a:r>
+              <a:rPr lang="en-US"/>
+              <a:t>© 2017 Ori Calvo</a:t>
+            </a:r>
+            <a:endParaRPr lang="en-US" dirty="0"/>
+          </a:p>
+        </p:txBody>
+      </p:sp>
+      <p:sp>
+        <p:nvSpPr>
+          <p:cNvPr id="5" name="Slide Number Placeholder 4">
+            <a:extLst>
+              <a:ext uri="{FF2B5EF4-FFF2-40B4-BE49-F238E27FC236}">
+                <a16:creationId xmlns:a16="http://schemas.microsoft.com/office/drawing/2014/main" id="{80C474EC-0CD2-4D0C-BD79-6795174A22EE}"/>
+              </a:ext>
+            </a:extLst>
+          </p:cNvPr>
+          <p:cNvSpPr>
+            <a:spLocks noGrp="1"/>
+          </p:cNvSpPr>
+          <p:nvPr>
+            <p:ph type="sldNum" sz="quarter" idx="12"/>
+          </p:nvPr>
+        </p:nvSpPr>
+        <p:spPr/>
+        <p:txBody>
+          <a:bodyPr>
+            <a:normAutofit fontScale="85000" lnSpcReduction="20000"/>
+          </a:bodyPr>
+          <a:lstStyle/>
+          <a:p>
+            <a:fld id="{6EDEC3BC-0694-4586-AE63-02B4D54ABF43}" type="slidenum">
+              <a:rPr lang="en-US" smtClean="0"/>
+              <a:pPr/>
+              <a:t>7</a:t>
+            </a:fld>
+            <a:endParaRPr lang="en-US"/>
+          </a:p>
+        </p:txBody>
+      </p:sp>
     </p:spTree>
     <p:extLst>
       <p:ext uri="{BB962C8B-B14F-4D97-AF65-F5344CB8AC3E}">
@@ -11001,6 +11833,67 @@
           </a:p>
         </p:txBody>
       </p:sp>
+      <p:sp>
+        <p:nvSpPr>
+          <p:cNvPr id="5" name="Footer Placeholder 4">
+            <a:extLst>
+              <a:ext uri="{FF2B5EF4-FFF2-40B4-BE49-F238E27FC236}">
+                <a16:creationId xmlns:a16="http://schemas.microsoft.com/office/drawing/2014/main" id="{858AA038-D7A0-4724-9A84-552BF84A2E70}"/>
+              </a:ext>
+            </a:extLst>
+          </p:cNvPr>
+          <p:cNvSpPr>
+            <a:spLocks noGrp="1"/>
+          </p:cNvSpPr>
+          <p:nvPr>
+            <p:ph type="ftr" sz="quarter" idx="11"/>
+          </p:nvPr>
+        </p:nvSpPr>
+        <p:spPr/>
+        <p:txBody>
+          <a:bodyPr/>
+          <a:lstStyle/>
+          <a:p>
+            <a:r>
+              <a:rPr lang="en-US"/>
+              <a:t>© 2017 Ori Calvo</a:t>
+            </a:r>
+            <a:endParaRPr lang="en-US" dirty="0"/>
+          </a:p>
+        </p:txBody>
+      </p:sp>
+      <p:sp>
+        <p:nvSpPr>
+          <p:cNvPr id="6" name="Slide Number Placeholder 5">
+            <a:extLst>
+              <a:ext uri="{FF2B5EF4-FFF2-40B4-BE49-F238E27FC236}">
+                <a16:creationId xmlns:a16="http://schemas.microsoft.com/office/drawing/2014/main" id="{0C13E5FB-7B54-42D3-9C8D-9800D6BF3248}"/>
+              </a:ext>
+            </a:extLst>
+          </p:cNvPr>
+          <p:cNvSpPr>
+            <a:spLocks noGrp="1"/>
+          </p:cNvSpPr>
+          <p:nvPr>
+            <p:ph type="sldNum" sz="quarter" idx="12"/>
+          </p:nvPr>
+        </p:nvSpPr>
+        <p:spPr/>
+        <p:txBody>
+          <a:bodyPr>
+            <a:normAutofit fontScale="85000" lnSpcReduction="20000"/>
+          </a:bodyPr>
+          <a:lstStyle/>
+          <a:p>
+            <a:fld id="{6EDEC3BC-0694-4586-AE63-02B4D54ABF43}" type="slidenum">
+              <a:rPr lang="en-US" smtClean="0"/>
+              <a:pPr/>
+              <a:t>8</a:t>
+            </a:fld>
+            <a:endParaRPr lang="en-US"/>
+          </a:p>
+        </p:txBody>
+      </p:sp>
     </p:spTree>
     <p:extLst>
       <p:ext uri="{BB962C8B-B14F-4D97-AF65-F5344CB8AC3E}">
@@ -11617,6 +12510,67 @@
               <a:t>} </a:t>
             </a:r>
             <a:endParaRPr lang="he-IL" sz="2000" dirty="0"/>
+          </a:p>
+        </p:txBody>
+      </p:sp>
+      <p:sp>
+        <p:nvSpPr>
+          <p:cNvPr id="3" name="Footer Placeholder 2">
+            <a:extLst>
+              <a:ext uri="{FF2B5EF4-FFF2-40B4-BE49-F238E27FC236}">
+                <a16:creationId xmlns:a16="http://schemas.microsoft.com/office/drawing/2014/main" id="{D2A88FA6-9CFB-4D36-BFE0-9EFFC4746D22}"/>
+              </a:ext>
+            </a:extLst>
+          </p:cNvPr>
+          <p:cNvSpPr>
+            <a:spLocks noGrp="1"/>
+          </p:cNvSpPr>
+          <p:nvPr>
+            <p:ph type="ftr" sz="quarter" idx="11"/>
+          </p:nvPr>
+        </p:nvSpPr>
+        <p:spPr/>
+        <p:txBody>
+          <a:bodyPr/>
+          <a:lstStyle/>
+          <a:p>
+            <a:r>
+              <a:rPr lang="en-US"/>
+              <a:t>© 2017 Ori Calvo</a:t>
+            </a:r>
+            <a:endParaRPr lang="en-US" dirty="0"/>
+          </a:p>
+        </p:txBody>
+      </p:sp>
+      <p:sp>
+        <p:nvSpPr>
+          <p:cNvPr id="4" name="Slide Number Placeholder 3">
+            <a:extLst>
+              <a:ext uri="{FF2B5EF4-FFF2-40B4-BE49-F238E27FC236}">
+                <a16:creationId xmlns:a16="http://schemas.microsoft.com/office/drawing/2014/main" id="{419DA5A8-7FDB-42A5-AC26-6D2292F9940B}"/>
+              </a:ext>
+            </a:extLst>
+          </p:cNvPr>
+          <p:cNvSpPr>
+            <a:spLocks noGrp="1"/>
+          </p:cNvSpPr>
+          <p:nvPr>
+            <p:ph type="sldNum" sz="quarter" idx="12"/>
+          </p:nvPr>
+        </p:nvSpPr>
+        <p:spPr/>
+        <p:txBody>
+          <a:bodyPr>
+            <a:normAutofit fontScale="85000" lnSpcReduction="20000"/>
+          </a:bodyPr>
+          <a:lstStyle/>
+          <a:p>
+            <a:fld id="{6EDEC3BC-0694-4586-AE63-02B4D54ABF43}" type="slidenum">
+              <a:rPr lang="en-US" smtClean="0"/>
+              <a:pPr/>
+              <a:t>9</a:t>
+            </a:fld>
+            <a:endParaRPr lang="en-US"/>
           </a:p>
         </p:txBody>
       </p:sp>
